--- a/new_SE401/Lectures/3-Testing throughout the SDLC/Testing throughout the SDLC.pptx
+++ b/new_SE401/Lectures/3-Testing throughout the SDLC/Testing throughout the SDLC.pptx
@@ -7571,7 +7571,7 @@
           <a:p>
             <a:fld id="{E4BB34C6-2C0D-465A-A860-EC4FC19A966A}" type="datetimeFigureOut">
               <a:rPr lang="en-US" smtClean="0"/>
-              <a:t>10/18/2021</a:t>
+              <a:t>11/28/2021</a:t>
             </a:fld>
             <a:endParaRPr lang="en-US"/>
           </a:p>
@@ -7976,7 +7976,7 @@
           <a:p>
             <a:fld id="{9BD8BE42-17DD-46B1-9911-C637B68047EB}" type="datetime1">
               <a:rPr lang="en-US" smtClean="0"/>
-              <a:t>10/18/2021</a:t>
+              <a:t>11/28/2021</a:t>
             </a:fld>
             <a:endParaRPr lang="en-US"/>
           </a:p>
@@ -8227,7 +8227,7 @@
           <a:p>
             <a:fld id="{CCFF3BC5-5C8D-466F-A797-6D86AA6EAFF3}" type="datetime1">
               <a:rPr lang="en-US" smtClean="0"/>
-              <a:t>10/18/2021</a:t>
+              <a:t>11/28/2021</a:t>
             </a:fld>
             <a:endParaRPr lang="en-US"/>
           </a:p>
@@ -8407,7 +8407,7 @@
           <a:p>
             <a:fld id="{832E4921-1675-4B57-ABF4-967D56DC3B9A}" type="datetime1">
               <a:rPr lang="en-US" smtClean="0"/>
-              <a:t>10/18/2021</a:t>
+              <a:t>11/28/2021</a:t>
             </a:fld>
             <a:endParaRPr lang="en-US"/>
           </a:p>
@@ -8663,7 +8663,7 @@
           <a:p>
             <a:fld id="{9ADED214-ECE7-47BF-8B74-07D2CDF81C6F}" type="datetime1">
               <a:rPr lang="en-US" smtClean="0"/>
-              <a:t>10/18/2021</a:t>
+              <a:t>11/28/2021</a:t>
             </a:fld>
             <a:endParaRPr lang="en-US"/>
           </a:p>
@@ -9008,7 +9008,7 @@
           <a:p>
             <a:fld id="{D0B90684-28DD-41A4-8996-A39E5E8150A5}" type="datetime1">
               <a:rPr lang="en-US" smtClean="0"/>
-              <a:t>10/18/2021</a:t>
+              <a:t>11/28/2021</a:t>
             </a:fld>
             <a:endParaRPr lang="en-US"/>
           </a:p>
@@ -9240,7 +9240,7 @@
           <a:p>
             <a:fld id="{7FCD7C83-1D5E-45D8-B44A-5DB41F29454A}" type="datetime1">
               <a:rPr lang="en-US" smtClean="0"/>
-              <a:t>10/18/2021</a:t>
+              <a:t>11/28/2021</a:t>
             </a:fld>
             <a:endParaRPr lang="en-US"/>
           </a:p>
@@ -9607,7 +9607,7 @@
           <a:p>
             <a:fld id="{651D511E-6B43-47BD-B7CF-935F43E237D6}" type="datetime1">
               <a:rPr lang="en-US" smtClean="0"/>
-              <a:t>10/18/2021</a:t>
+              <a:t>11/28/2021</a:t>
             </a:fld>
             <a:endParaRPr lang="en-US"/>
           </a:p>
@@ -9702,7 +9702,7 @@
           <a:p>
             <a:fld id="{4682CCAC-5651-4FC3-B249-6EC879EAEDA5}" type="datetime1">
               <a:rPr lang="en-US" smtClean="0"/>
-              <a:t>10/18/2021</a:t>
+              <a:t>11/28/2021</a:t>
             </a:fld>
             <a:endParaRPr lang="en-US"/>
           </a:p>
@@ -9925,7 +9925,7 @@
             <a:fld id="{B2F5E2FA-C428-4CE7-95B0-168D3259A5BB}" type="datetimeFigureOut">
               <a:rPr lang="en-US" smtClean="0"/>
               <a:pPr/>
-              <a:t>10/18/2021</a:t>
+              <a:t>11/28/2021</a:t>
             </a:fld>
             <a:endParaRPr lang="en-US"/>
           </a:p>
@@ -10096,7 +10096,7 @@
           <a:p>
             <a:fld id="{83D40078-8267-481A-B7C2-F8E3CFF0BF49}" type="datetime1">
               <a:rPr lang="en-US" smtClean="0"/>
-              <a:t>10/18/2021</a:t>
+              <a:t>11/28/2021</a:t>
             </a:fld>
             <a:endParaRPr lang="en-US"/>
           </a:p>
@@ -10373,7 +10373,7 @@
           <a:p>
             <a:fld id="{BA77E656-C5D9-48B5-A9E8-D9832B393472}" type="datetime1">
               <a:rPr lang="en-US" smtClean="0"/>
-              <a:t>10/18/2021</a:t>
+              <a:t>11/28/2021</a:t>
             </a:fld>
             <a:endParaRPr lang="en-US"/>
           </a:p>
@@ -10626,7 +10626,7 @@
           <a:p>
             <a:fld id="{53F22B38-3450-413D-B448-C04062DF6B2F}" type="datetime1">
               <a:rPr lang="en-US" smtClean="0"/>
-              <a:t>10/18/2021</a:t>
+              <a:t>11/28/2021</a:t>
             </a:fld>
             <a:endParaRPr lang="en-US"/>
           </a:p>
@@ -10839,7 +10839,7 @@
           <a:p>
             <a:fld id="{D98DD8AF-594F-4F99-BCA2-545A4C6961B3}" type="datetime1">
               <a:rPr lang="en-US" smtClean="0"/>
-              <a:t>10/18/2021</a:t>
+              <a:t>11/28/2021</a:t>
             </a:fld>
             <a:endParaRPr lang="en-US"/>
           </a:p>
@@ -11282,7 +11282,15 @@
           <a:bodyPr/>
           <a:lstStyle/>
           <a:p>
-            <a:endParaRPr lang="en-US"/>
+            <a:r>
+              <a:rPr lang="en-US" dirty="0"/>
+              <a:t>SE401: Software Quality Assurance and </a:t>
+            </a:r>
+            <a:r>
+              <a:rPr lang="en-US" dirty="0" smtClean="0"/>
+              <a:t>Testing</a:t>
+            </a:r>
+            <a:endParaRPr lang="en-US" dirty="0"/>
           </a:p>
         </p:txBody>
       </p:sp>
